--- a/REPORTLAB _TUTORIAL_61_SLIDE.pptx
+++ b/REPORTLAB _TUTORIAL_61_SLIDE.pptx
@@ -12820,40 +12820,6 @@
           </a:p>
         </p:txBody>
       </p:sp>
-      <p:pic>
-        <p:nvPicPr>
-          <p:cNvPr id="5" name="Picture 4" descr="A screenshot of a cell phone&#10;&#10;Description automatically generated">
-            <a:extLst>
-              <a:ext uri="{FF2B5EF4-FFF2-40B4-BE49-F238E27FC236}">
-                <a16:creationId xmlns:a16="http://schemas.microsoft.com/office/drawing/2014/main" id="{DA274F6C-65F4-F54A-9AB9-5E6F9A10DAC5}"/>
-              </a:ext>
-            </a:extLst>
-          </p:cNvPr>
-          <p:cNvPicPr>
-            <a:picLocks noChangeAspect="1"/>
-          </p:cNvPicPr>
-          <p:nvPr/>
-        </p:nvPicPr>
-        <p:blipFill rotWithShape="1">
-          <a:blip r:embed="rId5"/>
-          <a:srcRect l="2697"/>
-          <a:stretch/>
-        </p:blipFill>
-        <p:spPr>
-          <a:xfrm>
-            <a:off x="6096543" y="227"/>
-            <a:ext cx="5288377" cy="6858000"/>
-          </a:xfrm>
-          <a:prstGeom prst="rect">
-            <a:avLst/>
-          </a:prstGeom>
-          <a:ln w="12700">
-            <a:solidFill>
-              <a:schemeClr val="tx1"/>
-            </a:solidFill>
-          </a:ln>
-        </p:spPr>
-      </p:pic>
       <p:sp>
         <p:nvSpPr>
           <p:cNvPr id="102" name="Rectangle 101">
@@ -12974,6 +12940,36 @@
           </a:p>
         </p:txBody>
       </p:sp>
+      <p:pic>
+        <p:nvPicPr>
+          <p:cNvPr id="7" name="Picture 6" descr="A screenshot of a cell phone&#10;&#10;Description automatically generated">
+            <a:extLst>
+              <a:ext uri="{FF2B5EF4-FFF2-40B4-BE49-F238E27FC236}">
+                <a16:creationId xmlns:a16="http://schemas.microsoft.com/office/drawing/2014/main" id="{97EC5B3A-40C3-ED42-83FF-52F4BC32ED31}"/>
+              </a:ext>
+            </a:extLst>
+          </p:cNvPr>
+          <p:cNvPicPr>
+            <a:picLocks noChangeAspect="1"/>
+          </p:cNvPicPr>
+          <p:nvPr/>
+        </p:nvPicPr>
+        <p:blipFill>
+          <a:blip r:embed="rId5"/>
+          <a:stretch>
+            <a:fillRect/>
+          </a:stretch>
+        </p:blipFill>
+        <p:spPr>
+          <a:xfrm>
+            <a:off x="4455960" y="284602"/>
+            <a:ext cx="4819136" cy="5739423"/>
+          </a:xfrm>
+          <a:prstGeom prst="rect">
+            <a:avLst/>
+          </a:prstGeom>
+        </p:spPr>
+      </p:pic>
     </p:spTree>
     <p:extLst>
       <p:ext uri="{BB962C8B-B14F-4D97-AF65-F5344CB8AC3E}">
@@ -13163,6 +13159,78 @@
             <a:endParaRPr lang="en-DE" dirty="0">
               <a:solidFill>
                 <a:schemeClr val="bg1"/>
+              </a:solidFill>
+            </a:endParaRPr>
+          </a:p>
+        </p:txBody>
+      </p:sp>
+      <p:sp>
+        <p:nvSpPr>
+          <p:cNvPr id="3" name="TextBox 2">
+            <a:extLst>
+              <a:ext uri="{FF2B5EF4-FFF2-40B4-BE49-F238E27FC236}">
+                <a16:creationId xmlns:a16="http://schemas.microsoft.com/office/drawing/2014/main" id="{92A436B2-7E5A-7F48-AD31-47322CABCA4E}"/>
+              </a:ext>
+            </a:extLst>
+          </p:cNvPr>
+          <p:cNvSpPr txBox="1"/>
+          <p:nvPr/>
+        </p:nvSpPr>
+        <p:spPr>
+          <a:xfrm>
+            <a:off x="1274336" y="1403873"/>
+            <a:ext cx="9388147" cy="369332"/>
+          </a:xfrm>
+          <a:prstGeom prst="rect">
+            <a:avLst/>
+          </a:prstGeom>
+          <a:noFill/>
+        </p:spPr>
+        <p:txBody>
+          <a:bodyPr wrap="none" rtlCol="0">
+            <a:spAutoFit/>
+          </a:bodyPr>
+          <a:lstStyle/>
+          <a:p>
+            <a:r>
+              <a:rPr lang="en-GB" dirty="0">
+                <a:solidFill>
+                  <a:schemeClr val="bg1">
+                    <a:lumMod val="95000"/>
+                    <a:lumOff val="5000"/>
+                  </a:schemeClr>
+                </a:solidFill>
+              </a:rPr>
+              <a:t>https://</a:t>
+            </a:r>
+            <a:r>
+              <a:rPr lang="en-GB" dirty="0" err="1">
+                <a:solidFill>
+                  <a:schemeClr val="bg1">
+                    <a:lumMod val="95000"/>
+                    <a:lumOff val="5000"/>
+                  </a:schemeClr>
+                </a:solidFill>
+              </a:rPr>
+              <a:t>github.com</a:t>
+            </a:r>
+            <a:r>
+              <a:rPr lang="en-GB" dirty="0">
+                <a:solidFill>
+                  <a:schemeClr val="bg1">
+                    <a:lumMod val="95000"/>
+                    <a:lumOff val="5000"/>
+                  </a:schemeClr>
+                </a:solidFill>
+              </a:rPr>
+              <a:t>/ronidas39/REPORTLAB_PYTHON/blob/master/reportlab_tutorial_61.py</a:t>
+            </a:r>
+            <a:endParaRPr lang="en-DE" dirty="0">
+              <a:solidFill>
+                <a:schemeClr val="bg1">
+                  <a:lumMod val="95000"/>
+                  <a:lumOff val="5000"/>
+                </a:schemeClr>
               </a:solidFill>
             </a:endParaRPr>
           </a:p>
